--- a/10 ASP.NET 2/ASP.NET 2.pptx
+++ b/10 ASP.NET 2/ASP.NET 2.pptx
@@ -5,10 +5,10 @@
     <p:sldMasterId id="2147483648" r:id="rId1"/>
   </p:sldMasterIdLst>
   <p:notesMasterIdLst>
-    <p:notesMasterId r:id="rId22"/>
+    <p:notesMasterId r:id="rId23"/>
   </p:notesMasterIdLst>
   <p:handoutMasterIdLst>
-    <p:handoutMasterId r:id="rId23"/>
+    <p:handoutMasterId r:id="rId24"/>
   </p:handoutMasterIdLst>
   <p:sldIdLst>
     <p:sldId id="261" r:id="rId2"/>
@@ -20,60 +20,61 @@
     <p:sldId id="269" r:id="rId8"/>
     <p:sldId id="272" r:id="rId9"/>
     <p:sldId id="273" r:id="rId10"/>
-    <p:sldId id="270" r:id="rId11"/>
-    <p:sldId id="265" r:id="rId12"/>
-    <p:sldId id="274" r:id="rId13"/>
-    <p:sldId id="275" r:id="rId14"/>
-    <p:sldId id="276" r:id="rId15"/>
-    <p:sldId id="277" r:id="rId16"/>
-    <p:sldId id="278" r:id="rId17"/>
-    <p:sldId id="266" r:id="rId18"/>
-    <p:sldId id="279" r:id="rId19"/>
-    <p:sldId id="271" r:id="rId20"/>
-    <p:sldId id="260" r:id="rId21"/>
+    <p:sldId id="280" r:id="rId11"/>
+    <p:sldId id="270" r:id="rId12"/>
+    <p:sldId id="265" r:id="rId13"/>
+    <p:sldId id="274" r:id="rId14"/>
+    <p:sldId id="275" r:id="rId15"/>
+    <p:sldId id="276" r:id="rId16"/>
+    <p:sldId id="277" r:id="rId17"/>
+    <p:sldId id="278" r:id="rId18"/>
+    <p:sldId id="266" r:id="rId19"/>
+    <p:sldId id="279" r:id="rId20"/>
+    <p:sldId id="271" r:id="rId21"/>
+    <p:sldId id="260" r:id="rId22"/>
   </p:sldIdLst>
   <p:sldSz cx="12188825" cy="6858000"/>
   <p:notesSz cx="6797675" cy="9926638"/>
   <p:embeddedFontLst>
     <p:embeddedFont>
       <p:font typeface="AU Passata" panose="020B0503030502030804" pitchFamily="34" charset="77"/>
-      <p:regular r:id="rId24"/>
-      <p:bold r:id="rId25"/>
+      <p:regular r:id="rId25"/>
+      <p:bold r:id="rId26"/>
     </p:embeddedFont>
     <p:embeddedFont>
       <p:font typeface="AU Passata Light" panose="020B0303030902030804" pitchFamily="34" charset="77"/>
-      <p:regular r:id="rId26"/>
-      <p:bold r:id="rId27"/>
+      <p:regular r:id="rId27"/>
+      <p:bold r:id="rId28"/>
     </p:embeddedFont>
     <p:embeddedFont>
       <p:font typeface="AU Peto" pitchFamily="82" charset="77"/>
-      <p:regular r:id="rId28"/>
-      <p:bold r:id="rId29"/>
+      <p:regular r:id="rId29"/>
+      <p:bold r:id="rId30"/>
     </p:embeddedFont>
     <p:embeddedFont>
       <p:font typeface="Calibri" panose="020F0502020204030204" pitchFamily="34" charset="0"/>
-      <p:regular r:id="rId30"/>
-      <p:bold r:id="rId31"/>
-      <p:italic r:id="rId32"/>
-      <p:boldItalic r:id="rId33"/>
+      <p:regular r:id="rId31"/>
+      <p:bold r:id="rId32"/>
+      <p:italic r:id="rId33"/>
+      <p:boldItalic r:id="rId34"/>
     </p:embeddedFont>
     <p:embeddedFont>
       <p:font typeface="Consolas" panose="020B0609020204030204" pitchFamily="49" charset="0"/>
-      <p:regular r:id="rId34"/>
-      <p:bold r:id="rId35"/>
-      <p:italic r:id="rId36"/>
-      <p:boldItalic r:id="rId37"/>
+      <p:regular r:id="rId35"/>
+      <p:bold r:id="rId36"/>
+      <p:italic r:id="rId37"/>
+      <p:boldItalic r:id="rId38"/>
     </p:embeddedFont>
     <p:embeddedFont>
       <p:font typeface="Georgia" panose="02040502050405020303" pitchFamily="18" charset="0"/>
-      <p:regular r:id="rId38"/>
-      <p:bold r:id="rId39"/>
-      <p:italic r:id="rId40"/>
-      <p:boldItalic r:id="rId41"/>
+      <p:regular r:id="rId39"/>
+      <p:bold r:id="rId40"/>
+      <p:italic r:id="rId41"/>
+      <p:boldItalic r:id="rId42"/>
     </p:embeddedFont>
     <p:embeddedFont>
       <p:font typeface="Wingdings 3" pitchFamily="2" charset="2"/>
-      <p:regular r:id="rId42"/>
+      <p:regular r:id="rId43"/>
     </p:embeddedFont>
   </p:embeddedFontLst>
   <p:defaultTextStyle>
@@ -1030,7 +1031,7 @@
               <a:pPr>
                 <a:defRPr/>
               </a:pPr>
-              <a:t>20</a:t>
+              <a:t>21</a:t>
             </a:fld>
             <a:endParaRPr lang="en-GB" dirty="0"/>
           </a:p>
@@ -9433,6 +9434,125 @@
           <p:cNvPr id="2" name="Title 1">
             <a:extLst>
               <a:ext uri="{FF2B5EF4-FFF2-40B4-BE49-F238E27FC236}">
+                <a16:creationId xmlns:a16="http://schemas.microsoft.com/office/drawing/2014/main" id="{CF3B5753-D40A-91F9-E73B-B0BC72F16777}"/>
+              </a:ext>
+            </a:extLst>
+          </p:cNvPr>
+          <p:cNvSpPr>
+            <a:spLocks noGrp="1"/>
+          </p:cNvSpPr>
+          <p:nvPr>
+            <p:ph type="title"/>
+          </p:nvPr>
+        </p:nvSpPr>
+        <p:spPr/>
+        <p:txBody>
+          <a:bodyPr/>
+          <a:lstStyle/>
+          <a:p>
+            <a:r>
+              <a:rPr lang="en-DK" dirty="0"/>
+              <a:t>Demo time</a:t>
+            </a:r>
+          </a:p>
+        </p:txBody>
+      </p:sp>
+      <p:sp>
+        <p:nvSpPr>
+          <p:cNvPr id="3" name="Content Placeholder 2">
+            <a:extLst>
+              <a:ext uri="{FF2B5EF4-FFF2-40B4-BE49-F238E27FC236}">
+                <a16:creationId xmlns:a16="http://schemas.microsoft.com/office/drawing/2014/main" id="{A1E90818-8C9C-3807-D744-FF9BF44A07E3}"/>
+              </a:ext>
+            </a:extLst>
+          </p:cNvPr>
+          <p:cNvSpPr>
+            <a:spLocks noGrp="1"/>
+          </p:cNvSpPr>
+          <p:nvPr>
+            <p:ph idx="1"/>
+          </p:nvPr>
+        </p:nvSpPr>
+        <p:spPr/>
+        <p:txBody>
+          <a:bodyPr/>
+          <a:lstStyle/>
+          <a:p>
+            <a:r>
+              <a:rPr lang="en-DK" dirty="0"/>
+              <a:t>TODO</a:t>
+            </a:r>
+          </a:p>
+        </p:txBody>
+      </p:sp>
+      <p:sp>
+        <p:nvSpPr>
+          <p:cNvPr id="4" name="Date Placeholder 3">
+            <a:extLst>
+              <a:ext uri="{FF2B5EF4-FFF2-40B4-BE49-F238E27FC236}">
+                <a16:creationId xmlns:a16="http://schemas.microsoft.com/office/drawing/2014/main" id="{A4D42EAE-BD44-309E-8747-FFE82D0F19DC}"/>
+              </a:ext>
+            </a:extLst>
+          </p:cNvPr>
+          <p:cNvSpPr>
+            <a:spLocks noGrp="1"/>
+          </p:cNvSpPr>
+          <p:nvPr>
+            <p:ph type="dt" sz="half" idx="10"/>
+          </p:nvPr>
+        </p:nvSpPr>
+        <p:spPr/>
+        <p:txBody>
+          <a:bodyPr/>
+          <a:lstStyle/>
+          <a:p>
+            <a:fld id="{2981D826-F1FF-8443-9E54-CED2E76A3BD5}" type="datetime1">
+              <a:rPr lang="en-GB" smtClean="0"/>
+              <a:t>10/11/2023</a:t>
+            </a:fld>
+            <a:r>
+              <a:rPr lang="en-GB"/>
+              <a:t>26/10/2023</a:t>
+            </a:r>
+            <a:endParaRPr lang="en-GB" dirty="0"/>
+          </a:p>
+        </p:txBody>
+      </p:sp>
+    </p:spTree>
+    <p:extLst>
+      <p:ext uri="{BB962C8B-B14F-4D97-AF65-F5344CB8AC3E}">
+        <p14:creationId xmlns:p14="http://schemas.microsoft.com/office/powerpoint/2010/main" val="2298664331"/>
+      </p:ext>
+    </p:extLst>
+  </p:cSld>
+  <p:clrMapOvr>
+    <a:masterClrMapping/>
+  </p:clrMapOvr>
+</p:sld>
+</file>
+
+<file path=ppt/slides/slide11.xml><?xml version="1.0" encoding="utf-8"?>
+<p:sld xmlns:a="http://schemas.openxmlformats.org/drawingml/2006/main" xmlns:r="http://schemas.openxmlformats.org/officeDocument/2006/relationships" xmlns:p="http://schemas.openxmlformats.org/presentationml/2006/main">
+  <p:cSld>
+    <p:spTree>
+      <p:nvGrpSpPr>
+        <p:cNvPr id="1" name=""/>
+        <p:cNvGrpSpPr/>
+        <p:nvPr/>
+      </p:nvGrpSpPr>
+      <p:grpSpPr>
+        <a:xfrm>
+          <a:off x="0" y="0"/>
+          <a:ext cx="0" cy="0"/>
+          <a:chOff x="0" y="0"/>
+          <a:chExt cx="0" cy="0"/>
+        </a:xfrm>
+      </p:grpSpPr>
+      <p:sp>
+        <p:nvSpPr>
+          <p:cNvPr id="2" name="Title 1">
+            <a:extLst>
+              <a:ext uri="{FF2B5EF4-FFF2-40B4-BE49-F238E27FC236}">
                 <a16:creationId xmlns:a16="http://schemas.microsoft.com/office/drawing/2014/main" id="{BA737ACF-77CB-7B5C-9DBA-14E3A27CB05F}"/>
               </a:ext>
             </a:extLst>
@@ -9611,7 +9731,7 @@
 </p:sld>
 </file>
 
-<file path=ppt/slides/slide11.xml><?xml version="1.0" encoding="utf-8"?>
+<file path=ppt/slides/slide12.xml><?xml version="1.0" encoding="utf-8"?>
 <p:sld xmlns:a="http://schemas.openxmlformats.org/drawingml/2006/main" xmlns:r="http://schemas.openxmlformats.org/officeDocument/2006/relationships" xmlns:p="http://schemas.openxmlformats.org/presentationml/2006/main">
   <p:cSld>
     <p:spTree>
@@ -9765,7 +9885,7 @@
 </p:sld>
 </file>
 
-<file path=ppt/slides/slide12.xml><?xml version="1.0" encoding="utf-8"?>
+<file path=ppt/slides/slide13.xml><?xml version="1.0" encoding="utf-8"?>
 <p:sld xmlns:a="http://schemas.openxmlformats.org/drawingml/2006/main" xmlns:r="http://schemas.openxmlformats.org/officeDocument/2006/relationships" xmlns:p="http://schemas.openxmlformats.org/presentationml/2006/main">
   <p:cSld>
     <p:spTree>
@@ -9937,234 +10057,6 @@
 </p:sld>
 </file>
 
-<file path=ppt/slides/slide13.xml><?xml version="1.0" encoding="utf-8"?>
-<p:sld xmlns:a="http://schemas.openxmlformats.org/drawingml/2006/main" xmlns:r="http://schemas.openxmlformats.org/officeDocument/2006/relationships" xmlns:p="http://schemas.openxmlformats.org/presentationml/2006/main">
-  <p:cSld>
-    <p:spTree>
-      <p:nvGrpSpPr>
-        <p:cNvPr id="1" name=""/>
-        <p:cNvGrpSpPr/>
-        <p:nvPr/>
-      </p:nvGrpSpPr>
-      <p:grpSpPr>
-        <a:xfrm>
-          <a:off x="0" y="0"/>
-          <a:ext cx="0" cy="0"/>
-          <a:chOff x="0" y="0"/>
-          <a:chExt cx="0" cy="0"/>
-        </a:xfrm>
-      </p:grpSpPr>
-      <p:sp>
-        <p:nvSpPr>
-          <p:cNvPr id="2" name="Title 1">
-            <a:extLst>
-              <a:ext uri="{FF2B5EF4-FFF2-40B4-BE49-F238E27FC236}">
-                <a16:creationId xmlns:a16="http://schemas.microsoft.com/office/drawing/2014/main" id="{547CF0E7-1620-4681-E60B-EFF76DE48F51}"/>
-              </a:ext>
-            </a:extLst>
-          </p:cNvPr>
-          <p:cNvSpPr>
-            <a:spLocks noGrp="1"/>
-          </p:cNvSpPr>
-          <p:nvPr>
-            <p:ph type="title"/>
-          </p:nvPr>
-        </p:nvSpPr>
-        <p:spPr/>
-        <p:txBody>
-          <a:bodyPr/>
-          <a:lstStyle/>
-          <a:p>
-            <a:r>
-              <a:rPr lang="en-DK" dirty="0"/>
-              <a:t>Hello World</a:t>
-            </a:r>
-          </a:p>
-        </p:txBody>
-      </p:sp>
-      <p:sp>
-        <p:nvSpPr>
-          <p:cNvPr id="3" name="Content Placeholder 2">
-            <a:extLst>
-              <a:ext uri="{FF2B5EF4-FFF2-40B4-BE49-F238E27FC236}">
-                <a16:creationId xmlns:a16="http://schemas.microsoft.com/office/drawing/2014/main" id="{CAD238A6-D083-4FA1-7A77-D26B8575015E}"/>
-              </a:ext>
-            </a:extLst>
-          </p:cNvPr>
-          <p:cNvSpPr>
-            <a:spLocks noGrp="1"/>
-          </p:cNvSpPr>
-          <p:nvPr>
-            <p:ph idx="1"/>
-          </p:nvPr>
-        </p:nvSpPr>
-        <p:spPr/>
-        <p:txBody>
-          <a:bodyPr/>
-          <a:lstStyle/>
-          <a:p>
-            <a:r>
-              <a:rPr lang="en-GB" dirty="0">
-                <a:solidFill>
-                  <a:schemeClr val="bg2">
-                    <a:lumMod val="75000"/>
-                    <a:lumOff val="25000"/>
-                  </a:schemeClr>
-                </a:solidFill>
-              </a:rPr>
-              <a:t>var</a:t>
-            </a:r>
-            <a:r>
-              <a:rPr lang="en-GB" dirty="0"/>
-              <a:t> builder = </a:t>
-            </a:r>
-            <a:r>
-              <a:rPr lang="en-GB" dirty="0" err="1"/>
-              <a:t>WebApplication.CreateBuilder</a:t>
-            </a:r>
-            <a:r>
-              <a:rPr lang="en-GB" dirty="0"/>
-              <a:t>(</a:t>
-            </a:r>
-            <a:r>
-              <a:rPr lang="en-GB" dirty="0" err="1"/>
-              <a:t>args</a:t>
-            </a:r>
-            <a:r>
-              <a:rPr lang="en-GB" dirty="0"/>
-              <a:t>);</a:t>
-            </a:r>
-          </a:p>
-          <a:p>
-            <a:r>
-              <a:rPr lang="en-GB" dirty="0">
-                <a:solidFill>
-                  <a:schemeClr val="bg2">
-                    <a:lumMod val="75000"/>
-                    <a:lumOff val="25000"/>
-                  </a:schemeClr>
-                </a:solidFill>
-              </a:rPr>
-              <a:t>var</a:t>
-            </a:r>
-            <a:r>
-              <a:rPr lang="en-GB" dirty="0"/>
-              <a:t> app = </a:t>
-            </a:r>
-            <a:r>
-              <a:rPr lang="en-GB" dirty="0" err="1"/>
-              <a:t>builder.Build</a:t>
-            </a:r>
-            <a:r>
-              <a:rPr lang="en-GB" dirty="0"/>
-              <a:t>();</a:t>
-            </a:r>
-          </a:p>
-          <a:p>
-            <a:endParaRPr lang="en-GB" dirty="0"/>
-          </a:p>
-          <a:p>
-            <a:r>
-              <a:rPr lang="en-GB" dirty="0" err="1"/>
-              <a:t>app.MapGet</a:t>
-            </a:r>
-            <a:r>
-              <a:rPr lang="en-GB" dirty="0"/>
-              <a:t>(</a:t>
-            </a:r>
-            <a:r>
-              <a:rPr lang="en-GB" dirty="0">
-                <a:solidFill>
-                  <a:srgbClr val="92D050"/>
-                </a:solidFill>
-              </a:rPr>
-              <a:t>"/"</a:t>
-            </a:r>
-            <a:r>
-              <a:rPr lang="en-GB" dirty="0"/>
-              <a:t>, () =&gt; </a:t>
-            </a:r>
-            <a:r>
-              <a:rPr lang="en-GB" dirty="0">
-                <a:solidFill>
-                  <a:srgbClr val="92D050"/>
-                </a:solidFill>
-              </a:rPr>
-              <a:t>"Hello World!"</a:t>
-            </a:r>
-            <a:r>
-              <a:rPr lang="en-GB" dirty="0"/>
-              <a:t>);</a:t>
-            </a:r>
-          </a:p>
-          <a:p>
-            <a:endParaRPr lang="en-GB" dirty="0"/>
-          </a:p>
-          <a:p>
-            <a:r>
-              <a:rPr lang="en-GB" dirty="0" err="1"/>
-              <a:t>app.Run</a:t>
-            </a:r>
-            <a:r>
-              <a:rPr lang="en-GB" dirty="0"/>
-              <a:t>();</a:t>
-            </a:r>
-            <a:r>
-              <a:rPr lang="en-DK" dirty="0"/>
-              <a:t> </a:t>
-            </a:r>
-          </a:p>
-          <a:p>
-            <a:endParaRPr lang="en-DK" dirty="0"/>
-          </a:p>
-        </p:txBody>
-      </p:sp>
-      <p:sp>
-        <p:nvSpPr>
-          <p:cNvPr id="4" name="Date Placeholder 3">
-            <a:extLst>
-              <a:ext uri="{FF2B5EF4-FFF2-40B4-BE49-F238E27FC236}">
-                <a16:creationId xmlns:a16="http://schemas.microsoft.com/office/drawing/2014/main" id="{E7DB21E9-6B92-24BF-9CCF-C00B5E67FAA4}"/>
-              </a:ext>
-            </a:extLst>
-          </p:cNvPr>
-          <p:cNvSpPr>
-            <a:spLocks noGrp="1"/>
-          </p:cNvSpPr>
-          <p:nvPr>
-            <p:ph type="dt" sz="half" idx="10"/>
-          </p:nvPr>
-        </p:nvSpPr>
-        <p:spPr/>
-        <p:txBody>
-          <a:bodyPr/>
-          <a:lstStyle/>
-          <a:p>
-            <a:fld id="{FA07E929-9D16-C845-A5A7-28941E0D94D6}" type="datetime1">
-              <a:rPr lang="en-GB" smtClean="0"/>
-              <a:t>08/11/2023</a:t>
-            </a:fld>
-            <a:r>
-              <a:rPr lang="en-GB"/>
-              <a:t>26/10/2023</a:t>
-            </a:r>
-            <a:endParaRPr lang="en-GB" dirty="0"/>
-          </a:p>
-        </p:txBody>
-      </p:sp>
-    </p:spTree>
-    <p:extLst>
-      <p:ext uri="{BB962C8B-B14F-4D97-AF65-F5344CB8AC3E}">
-        <p14:creationId xmlns:p14="http://schemas.microsoft.com/office/powerpoint/2010/main" val="4048133835"/>
-      </p:ext>
-    </p:extLst>
-  </p:cSld>
-  <p:clrMapOvr>
-    <a:masterClrMapping/>
-  </p:clrMapOvr>
-</p:sld>
-</file>
-
 <file path=ppt/slides/slide14.xml><?xml version="1.0" encoding="utf-8"?>
 <p:sld xmlns:a="http://schemas.openxmlformats.org/drawingml/2006/main" xmlns:r="http://schemas.openxmlformats.org/officeDocument/2006/relationships" xmlns:p="http://schemas.openxmlformats.org/presentationml/2006/main">
   <p:cSld>
@@ -10187,7 +10079,7 @@
           <p:cNvPr id="2" name="Title 1">
             <a:extLst>
               <a:ext uri="{FF2B5EF4-FFF2-40B4-BE49-F238E27FC236}">
-                <a16:creationId xmlns:a16="http://schemas.microsoft.com/office/drawing/2014/main" id="{63B0F5AC-F9CC-CD17-34CE-76002C8F9848}"/>
+                <a16:creationId xmlns:a16="http://schemas.microsoft.com/office/drawing/2014/main" id="{547CF0E7-1620-4681-E60B-EFF76DE48F51}"/>
               </a:ext>
             </a:extLst>
           </p:cNvPr>
@@ -10205,7 +10097,7 @@
           <a:p>
             <a:r>
               <a:rPr lang="en-DK" dirty="0"/>
-              <a:t>Adding an database here</a:t>
+              <a:t>Hello World</a:t>
             </a:r>
           </a:p>
         </p:txBody>
@@ -10215,7 +10107,7 @@
           <p:cNvPr id="3" name="Content Placeholder 2">
             <a:extLst>
               <a:ext uri="{FF2B5EF4-FFF2-40B4-BE49-F238E27FC236}">
-                <a16:creationId xmlns:a16="http://schemas.microsoft.com/office/drawing/2014/main" id="{E4F102B7-6B52-574F-C477-44BA58E00254}"/>
+                <a16:creationId xmlns:a16="http://schemas.microsoft.com/office/drawing/2014/main" id="{CAD238A6-D083-4FA1-7A77-D26B8575015E}"/>
               </a:ext>
             </a:extLst>
           </p:cNvPr>
@@ -10231,205 +10123,6 @@
           <a:bodyPr/>
           <a:lstStyle/>
           <a:p>
-            <a:r>
-              <a:rPr lang="en-DK" dirty="0"/>
-              <a:t>For an InMemory database (one that don’t persists across restarts)</a:t>
-            </a:r>
-          </a:p>
-          <a:p>
-            <a:endParaRPr lang="en-DK" dirty="0"/>
-          </a:p>
-          <a:p>
-            <a:pPr marL="457200" indent="-457200">
-              <a:buFont typeface="+mj-lt"/>
-              <a:buAutoNum type="arabicPeriod"/>
-            </a:pPr>
-            <a:r>
-              <a:rPr lang="en-DK" dirty="0"/>
-              <a:t>Add NuGET package ‘</a:t>
-            </a:r>
-            <a:r>
-              <a:rPr lang="en-GB" dirty="0" err="1"/>
-              <a:t>Microsoft.EntityFrameworkCore.InMemory</a:t>
-            </a:r>
-            <a:r>
-              <a:rPr lang="en-DK" dirty="0"/>
-              <a:t>’</a:t>
-            </a:r>
-          </a:p>
-          <a:p>
-            <a:pPr marL="457200" indent="-457200">
-              <a:buFont typeface="+mj-lt"/>
-              <a:buAutoNum type="arabicPeriod"/>
-            </a:pPr>
-            <a:endParaRPr lang="en-DK" dirty="0"/>
-          </a:p>
-          <a:p>
-            <a:pPr marL="457200" indent="-457200">
-              <a:buFont typeface="+mj-lt"/>
-              <a:buAutoNum type="arabicPeriod"/>
-            </a:pPr>
-            <a:r>
-              <a:rPr lang="en-DK" dirty="0"/>
-              <a:t>Create a Context file (way to communicate with database)</a:t>
-            </a:r>
-            <a:br>
-              <a:rPr lang="en-DK" dirty="0"/>
-            </a:br>
-            <a:endParaRPr lang="en-DK" dirty="0"/>
-          </a:p>
-          <a:p>
-            <a:pPr marL="457200" indent="-457200">
-              <a:buFont typeface="+mj-lt"/>
-              <a:buAutoNum type="arabicPeriod"/>
-            </a:pPr>
-            <a:r>
-              <a:rPr lang="en-DK" dirty="0"/>
-              <a:t>Add this to your builder in Program.cs</a:t>
-            </a:r>
-            <a:br>
-              <a:rPr lang="en-DK" dirty="0"/>
-            </a:br>
-            <a:r>
-              <a:rPr lang="en-GB" dirty="0" err="1">
-                <a:latin typeface="Consolas" panose="020B0609020204030204" pitchFamily="49" charset="0"/>
-                <a:cs typeface="Consolas" panose="020B0609020204030204" pitchFamily="49" charset="0"/>
-              </a:rPr>
-              <a:t>builder.Services.AddDbContext</a:t>
-            </a:r>
-            <a:r>
-              <a:rPr lang="en-GB" dirty="0">
-                <a:latin typeface="Consolas" panose="020B0609020204030204" pitchFamily="49" charset="0"/>
-                <a:cs typeface="Consolas" panose="020B0609020204030204" pitchFamily="49" charset="0"/>
-              </a:rPr>
-              <a:t>&lt;Db&gt;(opt =&gt; </a:t>
-            </a:r>
-            <a:br>
-              <a:rPr lang="en-GB" dirty="0">
-                <a:latin typeface="Consolas" panose="020B0609020204030204" pitchFamily="49" charset="0"/>
-                <a:cs typeface="Consolas" panose="020B0609020204030204" pitchFamily="49" charset="0"/>
-              </a:rPr>
-            </a:br>
-            <a:r>
-              <a:rPr lang="en-GB" dirty="0">
-                <a:latin typeface="Consolas" panose="020B0609020204030204" pitchFamily="49" charset="0"/>
-                <a:cs typeface="Consolas" panose="020B0609020204030204" pitchFamily="49" charset="0"/>
-              </a:rPr>
-              <a:t>					</a:t>
-            </a:r>
-            <a:r>
-              <a:rPr lang="en-GB" dirty="0" err="1">
-                <a:latin typeface="Consolas" panose="020B0609020204030204" pitchFamily="49" charset="0"/>
-                <a:cs typeface="Consolas" panose="020B0609020204030204" pitchFamily="49" charset="0"/>
-              </a:rPr>
-              <a:t>opt.UseInMemoryDatabase</a:t>
-            </a:r>
-            <a:r>
-              <a:rPr lang="en-GB" dirty="0">
-                <a:latin typeface="Consolas" panose="020B0609020204030204" pitchFamily="49" charset="0"/>
-                <a:cs typeface="Consolas" panose="020B0609020204030204" pitchFamily="49" charset="0"/>
-              </a:rPr>
-              <a:t>(</a:t>
-            </a:r>
-            <a:r>
-              <a:rPr lang="en-GB" dirty="0">
-                <a:solidFill>
-                  <a:srgbClr val="92D050"/>
-                </a:solidFill>
-                <a:latin typeface="Consolas" panose="020B0609020204030204" pitchFamily="49" charset="0"/>
-                <a:cs typeface="Consolas" panose="020B0609020204030204" pitchFamily="49" charset="0"/>
-              </a:rPr>
-              <a:t>"Data"</a:t>
-            </a:r>
-            <a:r>
-              <a:rPr lang="en-GB" dirty="0">
-                <a:latin typeface="Consolas" panose="020B0609020204030204" pitchFamily="49" charset="0"/>
-                <a:cs typeface="Consolas" panose="020B0609020204030204" pitchFamily="49" charset="0"/>
-              </a:rPr>
-              <a:t>));</a:t>
-            </a:r>
-            <a:br>
-              <a:rPr lang="en-GB" dirty="0">
-                <a:latin typeface="Consolas" panose="020B0609020204030204" pitchFamily="49" charset="0"/>
-                <a:cs typeface="Consolas" panose="020B0609020204030204" pitchFamily="49" charset="0"/>
-              </a:rPr>
-            </a:br>
-            <a:r>
-              <a:rPr lang="en-GB" dirty="0" err="1">
-                <a:latin typeface="Consolas" panose="020B0609020204030204" pitchFamily="49" charset="0"/>
-                <a:cs typeface="Consolas" panose="020B0609020204030204" pitchFamily="49" charset="0"/>
-              </a:rPr>
-              <a:t>builder.Services.AddDatabaseDeveloperPageExceptionFilter</a:t>
-            </a:r>
-            <a:r>
-              <a:rPr lang="en-GB" dirty="0">
-                <a:latin typeface="Consolas" panose="020B0609020204030204" pitchFamily="49" charset="0"/>
-                <a:cs typeface="Consolas" panose="020B0609020204030204" pitchFamily="49" charset="0"/>
-              </a:rPr>
-              <a:t>();</a:t>
-            </a:r>
-          </a:p>
-          <a:p>
-            <a:pPr marL="457200" indent="-457200">
-              <a:buFont typeface="+mj-lt"/>
-              <a:buAutoNum type="arabicPeriod"/>
-            </a:pPr>
-            <a:r>
-              <a:rPr lang="en-GB" dirty="0">
-                <a:cs typeface="Consolas" panose="020B0609020204030204" pitchFamily="49" charset="0"/>
-              </a:rPr>
-              <a:t>Use data in your endpoints</a:t>
-            </a:r>
-            <a:br>
-              <a:rPr lang="en-GB" dirty="0">
-                <a:cs typeface="Consolas" panose="020B0609020204030204" pitchFamily="49" charset="0"/>
-              </a:rPr>
-            </a:br>
-            <a:r>
-              <a:rPr lang="en-GB" dirty="0" err="1">
-                <a:latin typeface="Consolas" panose="020B0609020204030204" pitchFamily="49" charset="0"/>
-                <a:cs typeface="Consolas" panose="020B0609020204030204" pitchFamily="49" charset="0"/>
-              </a:rPr>
-              <a:t>app.MapGet</a:t>
-            </a:r>
-            <a:r>
-              <a:rPr lang="en-GB" dirty="0">
-                <a:latin typeface="Consolas" panose="020B0609020204030204" pitchFamily="49" charset="0"/>
-                <a:cs typeface="Consolas" panose="020B0609020204030204" pitchFamily="49" charset="0"/>
-              </a:rPr>
-              <a:t>(</a:t>
-            </a:r>
-            <a:r>
-              <a:rPr lang="en-GB" dirty="0">
-                <a:solidFill>
-                  <a:srgbClr val="92D050"/>
-                </a:solidFill>
-                <a:latin typeface="Consolas" panose="020B0609020204030204" pitchFamily="49" charset="0"/>
-                <a:cs typeface="Consolas" panose="020B0609020204030204" pitchFamily="49" charset="0"/>
-              </a:rPr>
-              <a:t>"/items"</a:t>
-            </a:r>
-            <a:r>
-              <a:rPr lang="en-GB" dirty="0">
-                <a:latin typeface="Consolas" panose="020B0609020204030204" pitchFamily="49" charset="0"/>
-                <a:cs typeface="Consolas" panose="020B0609020204030204" pitchFamily="49" charset="0"/>
-              </a:rPr>
-              <a:t>, async (Db </a:t>
-            </a:r>
-            <a:r>
-              <a:rPr lang="en-GB" dirty="0" err="1">
-                <a:latin typeface="Consolas" panose="020B0609020204030204" pitchFamily="49" charset="0"/>
-                <a:cs typeface="Consolas" panose="020B0609020204030204" pitchFamily="49" charset="0"/>
-              </a:rPr>
-              <a:t>db</a:t>
-            </a:r>
-            <a:r>
-              <a:rPr lang="en-GB" dirty="0">
-                <a:latin typeface="Consolas" panose="020B0609020204030204" pitchFamily="49" charset="0"/>
-                <a:cs typeface="Consolas" panose="020B0609020204030204" pitchFamily="49" charset="0"/>
-              </a:rPr>
-              <a:t>) =&gt; </a:t>
-            </a:r>
             <a:r>
               <a:rPr lang="en-GB" dirty="0">
                 <a:solidFill>
@@ -10438,36 +10131,111 @@
                     <a:lumOff val="25000"/>
                   </a:schemeClr>
                 </a:solidFill>
-                <a:latin typeface="Consolas" panose="020B0609020204030204" pitchFamily="49" charset="0"/>
-                <a:cs typeface="Consolas" panose="020B0609020204030204" pitchFamily="49" charset="0"/>
-              </a:rPr>
-              <a:t>await</a:t>
-            </a:r>
+              </a:rPr>
+              <a:t>var</a:t>
+            </a:r>
+            <a:r>
+              <a:rPr lang="en-GB" dirty="0"/>
+              <a:t> builder = </a:t>
+            </a:r>
+            <a:r>
+              <a:rPr lang="en-GB" dirty="0" err="1"/>
+              <a:t>WebApplication.CreateBuilder</a:t>
+            </a:r>
+            <a:r>
+              <a:rPr lang="en-GB" dirty="0"/>
+              <a:t>(</a:t>
+            </a:r>
+            <a:r>
+              <a:rPr lang="en-GB" dirty="0" err="1"/>
+              <a:t>args</a:t>
+            </a:r>
+            <a:r>
+              <a:rPr lang="en-GB" dirty="0"/>
+              <a:t>);</a:t>
+            </a:r>
+          </a:p>
+          <a:p>
             <a:r>
               <a:rPr lang="en-GB" dirty="0">
-                <a:latin typeface="Consolas" panose="020B0609020204030204" pitchFamily="49" charset="0"/>
-                <a:cs typeface="Consolas" panose="020B0609020204030204" pitchFamily="49" charset="0"/>
-              </a:rPr>
+                <a:solidFill>
+                  <a:schemeClr val="bg2">
+                    <a:lumMod val="75000"/>
+                    <a:lumOff val="25000"/>
+                  </a:schemeClr>
+                </a:solidFill>
+              </a:rPr>
+              <a:t>var</a:t>
+            </a:r>
+            <a:r>
+              <a:rPr lang="en-GB" dirty="0"/>
+              <a:t> app = </a:t>
+            </a:r>
+            <a:r>
+              <a:rPr lang="en-GB" dirty="0" err="1"/>
+              <a:t>builder.Build</a:t>
+            </a:r>
+            <a:r>
+              <a:rPr lang="en-GB" dirty="0"/>
+              <a:t>();</a:t>
+            </a:r>
+          </a:p>
+          <a:p>
+            <a:endParaRPr lang="en-GB" dirty="0"/>
+          </a:p>
+          <a:p>
+            <a:r>
+              <a:rPr lang="en-GB" dirty="0" err="1"/>
+              <a:t>app.MapGet</a:t>
+            </a:r>
+            <a:r>
+              <a:rPr lang="en-GB" dirty="0"/>
+              <a:t>(</a:t>
+            </a:r>
+            <a:r>
+              <a:rPr lang="en-GB" dirty="0">
+                <a:solidFill>
+                  <a:srgbClr val="92D050"/>
+                </a:solidFill>
+              </a:rPr>
+              <a:t>"/"</a:t>
+            </a:r>
+            <a:r>
+              <a:rPr lang="en-GB" dirty="0"/>
+              <a:t>, () =&gt; </a:t>
+            </a:r>
+            <a:r>
+              <a:rPr lang="en-GB" dirty="0">
+                <a:solidFill>
+                  <a:srgbClr val="92D050"/>
+                </a:solidFill>
+              </a:rPr>
+              <a:t>"Hello World!"</a:t>
+            </a:r>
+            <a:r>
+              <a:rPr lang="en-GB" dirty="0"/>
+              <a:t>);</a:t>
+            </a:r>
+          </a:p>
+          <a:p>
+            <a:endParaRPr lang="en-GB" dirty="0"/>
+          </a:p>
+          <a:p>
+            <a:r>
+              <a:rPr lang="en-GB" dirty="0" err="1"/>
+              <a:t>app.Run</a:t>
+            </a:r>
+            <a:r>
+              <a:rPr lang="en-GB" dirty="0"/>
+              <a:t>();</a:t>
+            </a:r>
+            <a:r>
+              <a:rPr lang="en-DK" dirty="0"/>
               <a:t> </a:t>
             </a:r>
-            <a:r>
-              <a:rPr lang="en-GB" dirty="0" err="1">
-                <a:latin typeface="Consolas" panose="020B0609020204030204" pitchFamily="49" charset="0"/>
-                <a:cs typeface="Consolas" panose="020B0609020204030204" pitchFamily="49" charset="0"/>
-              </a:rPr>
-              <a:t>db.Todos.ToListAsync</a:t>
-            </a:r>
-            <a:r>
-              <a:rPr lang="en-GB" dirty="0">
-                <a:latin typeface="Consolas" panose="020B0609020204030204" pitchFamily="49" charset="0"/>
-                <a:cs typeface="Consolas" panose="020B0609020204030204" pitchFamily="49" charset="0"/>
-              </a:rPr>
-              <a:t>());</a:t>
-            </a:r>
-            <a:endParaRPr lang="en-DK" dirty="0">
-              <a:latin typeface="Consolas" panose="020B0609020204030204" pitchFamily="49" charset="0"/>
-              <a:cs typeface="Consolas" panose="020B0609020204030204" pitchFamily="49" charset="0"/>
-            </a:endParaRPr>
+          </a:p>
+          <a:p>
+            <a:endParaRPr lang="en-DK" dirty="0"/>
           </a:p>
         </p:txBody>
       </p:sp>
@@ -10476,7 +10244,7 @@
           <p:cNvPr id="4" name="Date Placeholder 3">
             <a:extLst>
               <a:ext uri="{FF2B5EF4-FFF2-40B4-BE49-F238E27FC236}">
-                <a16:creationId xmlns:a16="http://schemas.microsoft.com/office/drawing/2014/main" id="{A713E508-D25D-174F-E425-A1DDFD15B421}"/>
+                <a16:creationId xmlns:a16="http://schemas.microsoft.com/office/drawing/2014/main" id="{E7DB21E9-6B92-24BF-9CCF-C00B5E67FAA4}"/>
               </a:ext>
             </a:extLst>
           </p:cNvPr>
@@ -10492,7 +10260,7 @@
           <a:bodyPr/>
           <a:lstStyle/>
           <a:p>
-            <a:fld id="{6D503BAE-1CD2-C444-80FA-355190E5DAD3}" type="datetime1">
+            <a:fld id="{FA07E929-9D16-C845-A5A7-28941E0D94D6}" type="datetime1">
               <a:rPr lang="en-GB" smtClean="0"/>
               <a:t>08/11/2023</a:t>
             </a:fld>
@@ -10507,7 +10275,7 @@
     </p:spTree>
     <p:extLst>
       <p:ext uri="{BB962C8B-B14F-4D97-AF65-F5344CB8AC3E}">
-        <p14:creationId xmlns:p14="http://schemas.microsoft.com/office/powerpoint/2010/main" val="3452229168"/>
+        <p14:creationId xmlns:p14="http://schemas.microsoft.com/office/powerpoint/2010/main" val="4048133835"/>
       </p:ext>
     </p:extLst>
   </p:cSld>
@@ -10539,7 +10307,7 @@
           <p:cNvPr id="2" name="Title 1">
             <a:extLst>
               <a:ext uri="{FF2B5EF4-FFF2-40B4-BE49-F238E27FC236}">
-                <a16:creationId xmlns:a16="http://schemas.microsoft.com/office/drawing/2014/main" id="{16F1D24C-30EB-8E54-C8F6-60A26D3BDBDE}"/>
+                <a16:creationId xmlns:a16="http://schemas.microsoft.com/office/drawing/2014/main" id="{63B0F5AC-F9CC-CD17-34CE-76002C8F9848}"/>
               </a:ext>
             </a:extLst>
           </p:cNvPr>
@@ -10557,7 +10325,7 @@
           <a:p>
             <a:r>
               <a:rPr lang="en-DK" dirty="0"/>
-              <a:t>Context file </a:t>
+              <a:t>Adding an database here</a:t>
             </a:r>
           </a:p>
         </p:txBody>
@@ -10567,7 +10335,7 @@
           <p:cNvPr id="3" name="Content Placeholder 2">
             <a:extLst>
               <a:ext uri="{FF2B5EF4-FFF2-40B4-BE49-F238E27FC236}">
-                <a16:creationId xmlns:a16="http://schemas.microsoft.com/office/drawing/2014/main" id="{86C217CD-D0E7-8E7C-1DAA-F757AABEDC24}"/>
+                <a16:creationId xmlns:a16="http://schemas.microsoft.com/office/drawing/2014/main" id="{E4F102B7-6B52-574F-C477-44BA58E00254}"/>
               </a:ext>
             </a:extLst>
           </p:cNvPr>
@@ -10585,21 +10353,203 @@
           <a:p>
             <a:r>
               <a:rPr lang="en-DK" dirty="0"/>
-              <a:t>// </a:t>
-            </a:r>
-            <a:r>
-              <a:rPr lang="en-DK" dirty="0">
-                <a:solidFill>
-                  <a:srgbClr val="00B050"/>
-                </a:solidFill>
-              </a:rPr>
-              <a:t>DB.cs</a:t>
+              <a:t>For an InMemory database (one that don’t persists across restarts)</a:t>
             </a:r>
           </a:p>
           <a:p>
             <a:endParaRPr lang="en-DK" dirty="0"/>
           </a:p>
           <a:p>
+            <a:pPr marL="457200" indent="-457200">
+              <a:buFont typeface="+mj-lt"/>
+              <a:buAutoNum type="arabicPeriod"/>
+            </a:pPr>
+            <a:r>
+              <a:rPr lang="en-DK" dirty="0"/>
+              <a:t>Add NuGET package ‘</a:t>
+            </a:r>
+            <a:r>
+              <a:rPr lang="en-GB" dirty="0" err="1"/>
+              <a:t>Microsoft.EntityFrameworkCore.InMemory</a:t>
+            </a:r>
+            <a:r>
+              <a:rPr lang="en-DK" dirty="0"/>
+              <a:t>’</a:t>
+            </a:r>
+          </a:p>
+          <a:p>
+            <a:pPr marL="457200" indent="-457200">
+              <a:buFont typeface="+mj-lt"/>
+              <a:buAutoNum type="arabicPeriod"/>
+            </a:pPr>
+            <a:endParaRPr lang="en-DK" dirty="0"/>
+          </a:p>
+          <a:p>
+            <a:pPr marL="457200" indent="-457200">
+              <a:buFont typeface="+mj-lt"/>
+              <a:buAutoNum type="arabicPeriod"/>
+            </a:pPr>
+            <a:r>
+              <a:rPr lang="en-DK" dirty="0"/>
+              <a:t>Create a Context file (way to communicate with database)</a:t>
+            </a:r>
+            <a:br>
+              <a:rPr lang="en-DK" dirty="0"/>
+            </a:br>
+            <a:endParaRPr lang="en-DK" dirty="0"/>
+          </a:p>
+          <a:p>
+            <a:pPr marL="457200" indent="-457200">
+              <a:buFont typeface="+mj-lt"/>
+              <a:buAutoNum type="arabicPeriod"/>
+            </a:pPr>
+            <a:r>
+              <a:rPr lang="en-DK" dirty="0"/>
+              <a:t>Add this to your builder in Program.cs</a:t>
+            </a:r>
+            <a:br>
+              <a:rPr lang="en-DK" dirty="0"/>
+            </a:br>
+            <a:r>
+              <a:rPr lang="en-GB" dirty="0" err="1">
+                <a:latin typeface="Consolas" panose="020B0609020204030204" pitchFamily="49" charset="0"/>
+                <a:cs typeface="Consolas" panose="020B0609020204030204" pitchFamily="49" charset="0"/>
+              </a:rPr>
+              <a:t>builder.Services.AddDbContext</a:t>
+            </a:r>
+            <a:r>
+              <a:rPr lang="en-GB" dirty="0">
+                <a:latin typeface="Consolas" panose="020B0609020204030204" pitchFamily="49" charset="0"/>
+                <a:cs typeface="Consolas" panose="020B0609020204030204" pitchFamily="49" charset="0"/>
+              </a:rPr>
+              <a:t>&lt;Db&gt;(opt =&gt; </a:t>
+            </a:r>
+            <a:br>
+              <a:rPr lang="en-GB" dirty="0">
+                <a:latin typeface="Consolas" panose="020B0609020204030204" pitchFamily="49" charset="0"/>
+                <a:cs typeface="Consolas" panose="020B0609020204030204" pitchFamily="49" charset="0"/>
+              </a:rPr>
+            </a:br>
+            <a:r>
+              <a:rPr lang="en-GB" dirty="0">
+                <a:latin typeface="Consolas" panose="020B0609020204030204" pitchFamily="49" charset="0"/>
+                <a:cs typeface="Consolas" panose="020B0609020204030204" pitchFamily="49" charset="0"/>
+              </a:rPr>
+              <a:t>					</a:t>
+            </a:r>
+            <a:r>
+              <a:rPr lang="en-GB" dirty="0" err="1">
+                <a:latin typeface="Consolas" panose="020B0609020204030204" pitchFamily="49" charset="0"/>
+                <a:cs typeface="Consolas" panose="020B0609020204030204" pitchFamily="49" charset="0"/>
+              </a:rPr>
+              <a:t>opt.UseInMemoryDatabase</a:t>
+            </a:r>
+            <a:r>
+              <a:rPr lang="en-GB" dirty="0">
+                <a:latin typeface="Consolas" panose="020B0609020204030204" pitchFamily="49" charset="0"/>
+                <a:cs typeface="Consolas" panose="020B0609020204030204" pitchFamily="49" charset="0"/>
+              </a:rPr>
+              <a:t>(</a:t>
+            </a:r>
+            <a:r>
+              <a:rPr lang="en-GB" dirty="0">
+                <a:solidFill>
+                  <a:srgbClr val="92D050"/>
+                </a:solidFill>
+                <a:latin typeface="Consolas" panose="020B0609020204030204" pitchFamily="49" charset="0"/>
+                <a:cs typeface="Consolas" panose="020B0609020204030204" pitchFamily="49" charset="0"/>
+              </a:rPr>
+              <a:t>"Data"</a:t>
+            </a:r>
+            <a:r>
+              <a:rPr lang="en-GB" dirty="0">
+                <a:latin typeface="Consolas" panose="020B0609020204030204" pitchFamily="49" charset="0"/>
+                <a:cs typeface="Consolas" panose="020B0609020204030204" pitchFamily="49" charset="0"/>
+              </a:rPr>
+              <a:t>));</a:t>
+            </a:r>
+            <a:br>
+              <a:rPr lang="en-GB" dirty="0">
+                <a:latin typeface="Consolas" panose="020B0609020204030204" pitchFamily="49" charset="0"/>
+                <a:cs typeface="Consolas" panose="020B0609020204030204" pitchFamily="49" charset="0"/>
+              </a:rPr>
+            </a:br>
+            <a:r>
+              <a:rPr lang="en-GB" dirty="0" err="1">
+                <a:latin typeface="Consolas" panose="020B0609020204030204" pitchFamily="49" charset="0"/>
+                <a:cs typeface="Consolas" panose="020B0609020204030204" pitchFamily="49" charset="0"/>
+              </a:rPr>
+              <a:t>builder.Services.AddDatabaseDeveloperPageExceptionFilter</a:t>
+            </a:r>
+            <a:r>
+              <a:rPr lang="en-GB" dirty="0">
+                <a:latin typeface="Consolas" panose="020B0609020204030204" pitchFamily="49" charset="0"/>
+                <a:cs typeface="Consolas" panose="020B0609020204030204" pitchFamily="49" charset="0"/>
+              </a:rPr>
+              <a:t>();</a:t>
+            </a:r>
+          </a:p>
+          <a:p>
+            <a:pPr marL="457200" indent="-457200">
+              <a:buFont typeface="+mj-lt"/>
+              <a:buAutoNum type="arabicPeriod"/>
+            </a:pPr>
+            <a:r>
+              <a:rPr lang="en-GB" dirty="0">
+                <a:cs typeface="Consolas" panose="020B0609020204030204" pitchFamily="49" charset="0"/>
+              </a:rPr>
+              <a:t>Use data in your endpoints</a:t>
+            </a:r>
+            <a:br>
+              <a:rPr lang="en-GB" dirty="0">
+                <a:cs typeface="Consolas" panose="020B0609020204030204" pitchFamily="49" charset="0"/>
+              </a:rPr>
+            </a:br>
+            <a:r>
+              <a:rPr lang="en-GB" dirty="0" err="1">
+                <a:latin typeface="Consolas" panose="020B0609020204030204" pitchFamily="49" charset="0"/>
+                <a:cs typeface="Consolas" panose="020B0609020204030204" pitchFamily="49" charset="0"/>
+              </a:rPr>
+              <a:t>app.MapGet</a:t>
+            </a:r>
+            <a:r>
+              <a:rPr lang="en-GB" dirty="0">
+                <a:latin typeface="Consolas" panose="020B0609020204030204" pitchFamily="49" charset="0"/>
+                <a:cs typeface="Consolas" panose="020B0609020204030204" pitchFamily="49" charset="0"/>
+              </a:rPr>
+              <a:t>(</a:t>
+            </a:r>
+            <a:r>
+              <a:rPr lang="en-GB" dirty="0">
+                <a:solidFill>
+                  <a:srgbClr val="92D050"/>
+                </a:solidFill>
+                <a:latin typeface="Consolas" panose="020B0609020204030204" pitchFamily="49" charset="0"/>
+                <a:cs typeface="Consolas" panose="020B0609020204030204" pitchFamily="49" charset="0"/>
+              </a:rPr>
+              <a:t>"/items"</a:t>
+            </a:r>
+            <a:r>
+              <a:rPr lang="en-GB" dirty="0">
+                <a:latin typeface="Consolas" panose="020B0609020204030204" pitchFamily="49" charset="0"/>
+                <a:cs typeface="Consolas" panose="020B0609020204030204" pitchFamily="49" charset="0"/>
+              </a:rPr>
+              <a:t>, async (Db </a:t>
+            </a:r>
+            <a:r>
+              <a:rPr lang="en-GB" dirty="0" err="1">
+                <a:latin typeface="Consolas" panose="020B0609020204030204" pitchFamily="49" charset="0"/>
+                <a:cs typeface="Consolas" panose="020B0609020204030204" pitchFamily="49" charset="0"/>
+              </a:rPr>
+              <a:t>db</a:t>
+            </a:r>
+            <a:r>
+              <a:rPr lang="en-GB" dirty="0">
+                <a:latin typeface="Consolas" panose="020B0609020204030204" pitchFamily="49" charset="0"/>
+                <a:cs typeface="Consolas" panose="020B0609020204030204" pitchFamily="49" charset="0"/>
+              </a:rPr>
+              <a:t>) =&gt; </a:t>
+            </a:r>
             <a:r>
               <a:rPr lang="en-GB" dirty="0">
                 <a:solidFill>
@@ -10608,149 +10558,36 @@
                     <a:lumOff val="25000"/>
                   </a:schemeClr>
                 </a:solidFill>
-              </a:rPr>
-              <a:t>using</a:t>
-            </a:r>
-            <a:r>
-              <a:rPr lang="en-GB" dirty="0"/>
+                <a:latin typeface="Consolas" panose="020B0609020204030204" pitchFamily="49" charset="0"/>
+                <a:cs typeface="Consolas" panose="020B0609020204030204" pitchFamily="49" charset="0"/>
+              </a:rPr>
+              <a:t>await</a:t>
+            </a:r>
+            <a:r>
+              <a:rPr lang="en-GB" dirty="0">
+                <a:latin typeface="Consolas" panose="020B0609020204030204" pitchFamily="49" charset="0"/>
+                <a:cs typeface="Consolas" panose="020B0609020204030204" pitchFamily="49" charset="0"/>
+              </a:rPr>
               <a:t> </a:t>
             </a:r>
             <a:r>
-              <a:rPr lang="en-GB" dirty="0" err="1"/>
-              <a:t>Microsoft.EntityFrameworkCore</a:t>
-            </a:r>
-            <a:r>
-              <a:rPr lang="en-GB" dirty="0"/>
-              <a:t>;</a:t>
-            </a:r>
-          </a:p>
-          <a:p>
-            <a:endParaRPr lang="en-GB" dirty="0"/>
-          </a:p>
-          <a:p>
+              <a:rPr lang="en-GB" dirty="0" err="1">
+                <a:latin typeface="Consolas" panose="020B0609020204030204" pitchFamily="49" charset="0"/>
+                <a:cs typeface="Consolas" panose="020B0609020204030204" pitchFamily="49" charset="0"/>
+              </a:rPr>
+              <a:t>db.Todos.ToListAsync</a:t>
+            </a:r>
             <a:r>
               <a:rPr lang="en-GB" dirty="0">
-                <a:solidFill>
-                  <a:schemeClr val="bg2">
-                    <a:lumMod val="75000"/>
-                    <a:lumOff val="25000"/>
-                  </a:schemeClr>
-                </a:solidFill>
-              </a:rPr>
-              <a:t>class</a:t>
-            </a:r>
-            <a:r>
-              <a:rPr lang="en-GB" dirty="0"/>
-              <a:t> Db : </a:t>
-            </a:r>
-            <a:r>
-              <a:rPr lang="en-GB" dirty="0" err="1"/>
-              <a:t>DbContext</a:t>
-            </a:r>
-            <a:endParaRPr lang="en-GB" dirty="0"/>
-          </a:p>
-          <a:p>
-            <a:r>
-              <a:rPr lang="en-GB" dirty="0"/>
-              <a:t>{</a:t>
-            </a:r>
-          </a:p>
-          <a:p>
-            <a:r>
-              <a:rPr lang="en-GB" dirty="0"/>
-              <a:t>    </a:t>
-            </a:r>
-            <a:r>
-              <a:rPr lang="en-GB" dirty="0">
-                <a:solidFill>
-                  <a:schemeClr val="bg2">
-                    <a:lumMod val="75000"/>
-                    <a:lumOff val="25000"/>
-                  </a:schemeClr>
-                </a:solidFill>
-              </a:rPr>
-              <a:t>public</a:t>
-            </a:r>
-            <a:r>
-              <a:rPr lang="en-GB" dirty="0"/>
-              <a:t> </a:t>
-            </a:r>
-            <a:r>
-              <a:rPr lang="en-GB" dirty="0" err="1"/>
-              <a:t>TodoDb</a:t>
-            </a:r>
-            <a:r>
-              <a:rPr lang="en-GB" dirty="0"/>
-              <a:t>(</a:t>
-            </a:r>
-            <a:r>
-              <a:rPr lang="en-GB" dirty="0" err="1"/>
-              <a:t>DbContextOptions</a:t>
-            </a:r>
-            <a:r>
-              <a:rPr lang="en-GB" dirty="0"/>
-              <a:t>&lt;Db&gt; options)</a:t>
-            </a:r>
-          </a:p>
-          <a:p>
-            <a:r>
-              <a:rPr lang="en-GB" dirty="0"/>
-              <a:t>        : </a:t>
-            </a:r>
-            <a:r>
-              <a:rPr lang="en-GB" dirty="0">
-                <a:solidFill>
-                  <a:schemeClr val="bg2">
-                    <a:lumMod val="75000"/>
-                    <a:lumOff val="25000"/>
-                  </a:schemeClr>
-                </a:solidFill>
-              </a:rPr>
-              <a:t>base</a:t>
-            </a:r>
-            <a:r>
-              <a:rPr lang="en-GB" dirty="0"/>
-              <a:t>(options) { }</a:t>
-            </a:r>
-          </a:p>
-          <a:p>
-            <a:endParaRPr lang="en-GB" dirty="0"/>
-          </a:p>
-          <a:p>
-            <a:r>
-              <a:rPr lang="en-GB" dirty="0"/>
-              <a:t>    </a:t>
-            </a:r>
-            <a:r>
-              <a:rPr lang="en-GB" dirty="0">
-                <a:solidFill>
-                  <a:schemeClr val="bg2">
-                    <a:lumMod val="75000"/>
-                    <a:lumOff val="25000"/>
-                  </a:schemeClr>
-                </a:solidFill>
-              </a:rPr>
-              <a:t>public</a:t>
-            </a:r>
-            <a:r>
-              <a:rPr lang="en-GB" dirty="0"/>
-              <a:t> </a:t>
-            </a:r>
-            <a:r>
-              <a:rPr lang="en-GB" dirty="0" err="1"/>
-              <a:t>DbSet</a:t>
-            </a:r>
-            <a:r>
-              <a:rPr lang="en-GB" dirty="0"/>
-              <a:t>&lt;Data&gt; Data =&gt; Set&lt;Data&gt;();</a:t>
-            </a:r>
-          </a:p>
-          <a:p>
-            <a:r>
-              <a:rPr lang="en-GB" dirty="0"/>
-              <a:t>}</a:t>
-            </a:r>
-            <a:endParaRPr lang="en-DK" dirty="0"/>
+                <a:latin typeface="Consolas" panose="020B0609020204030204" pitchFamily="49" charset="0"/>
+                <a:cs typeface="Consolas" panose="020B0609020204030204" pitchFamily="49" charset="0"/>
+              </a:rPr>
+              <a:t>());</a:t>
+            </a:r>
+            <a:endParaRPr lang="en-DK" dirty="0">
+              <a:latin typeface="Consolas" panose="020B0609020204030204" pitchFamily="49" charset="0"/>
+              <a:cs typeface="Consolas" panose="020B0609020204030204" pitchFamily="49" charset="0"/>
+            </a:endParaRPr>
           </a:p>
         </p:txBody>
       </p:sp>
@@ -10759,7 +10596,7 @@
           <p:cNvPr id="4" name="Date Placeholder 3">
             <a:extLst>
               <a:ext uri="{FF2B5EF4-FFF2-40B4-BE49-F238E27FC236}">
-                <a16:creationId xmlns:a16="http://schemas.microsoft.com/office/drawing/2014/main" id="{9A37575C-4F05-624C-466D-50C9DF2E0B14}"/>
+                <a16:creationId xmlns:a16="http://schemas.microsoft.com/office/drawing/2014/main" id="{A713E508-D25D-174F-E425-A1DDFD15B421}"/>
               </a:ext>
             </a:extLst>
           </p:cNvPr>
@@ -10775,7 +10612,7 @@
           <a:bodyPr/>
           <a:lstStyle/>
           <a:p>
-            <a:fld id="{70D2C60E-3033-E548-A4C0-6A89BC3245FC}" type="datetime1">
+            <a:fld id="{6D503BAE-1CD2-C444-80FA-355190E5DAD3}" type="datetime1">
               <a:rPr lang="en-GB" smtClean="0"/>
               <a:t>08/11/2023</a:t>
             </a:fld>
@@ -10790,7 +10627,7 @@
     </p:spTree>
     <p:extLst>
       <p:ext uri="{BB962C8B-B14F-4D97-AF65-F5344CB8AC3E}">
-        <p14:creationId xmlns:p14="http://schemas.microsoft.com/office/powerpoint/2010/main" val="4042737015"/>
+        <p14:creationId xmlns:p14="http://schemas.microsoft.com/office/powerpoint/2010/main" val="3452229168"/>
       </p:ext>
     </p:extLst>
   </p:cSld>
@@ -10822,7 +10659,7 @@
           <p:cNvPr id="2" name="Title 1">
             <a:extLst>
               <a:ext uri="{FF2B5EF4-FFF2-40B4-BE49-F238E27FC236}">
-                <a16:creationId xmlns:a16="http://schemas.microsoft.com/office/drawing/2014/main" id="{A552E23F-F33F-8273-A192-9552AB46C950}"/>
+                <a16:creationId xmlns:a16="http://schemas.microsoft.com/office/drawing/2014/main" id="{16F1D24C-30EB-8E54-C8F6-60A26D3BDBDE}"/>
               </a:ext>
             </a:extLst>
           </p:cNvPr>
@@ -10840,7 +10677,7 @@
           <a:p>
             <a:r>
               <a:rPr lang="en-DK" dirty="0"/>
-              <a:t>HTTP Verbs in minimal</a:t>
+              <a:t>Context file </a:t>
             </a:r>
           </a:p>
         </p:txBody>
@@ -10850,7 +10687,7 @@
           <p:cNvPr id="3" name="Content Placeholder 2">
             <a:extLst>
               <a:ext uri="{FF2B5EF4-FFF2-40B4-BE49-F238E27FC236}">
-                <a16:creationId xmlns:a16="http://schemas.microsoft.com/office/drawing/2014/main" id="{1CADCEC8-FDB0-5266-29FF-DB92336ACAA6}"/>
+                <a16:creationId xmlns:a16="http://schemas.microsoft.com/office/drawing/2014/main" id="{86C217CD-D0E7-8E7C-1DAA-F757AABEDC24}"/>
               </a:ext>
             </a:extLst>
           </p:cNvPr>
@@ -10866,126 +10703,172 @@
           <a:bodyPr/>
           <a:lstStyle/>
           <a:p>
-            <a:pPr marL="342900" indent="-342900">
-              <a:buFont typeface="Arial" panose="020B0604020202020204" pitchFamily="34" charset="0"/>
-              <a:buChar char="•"/>
-            </a:pPr>
             <a:r>
               <a:rPr lang="en-DK" dirty="0"/>
-              <a:t>GET</a:t>
-            </a:r>
-            <a:br>
-              <a:rPr lang="en-DK" dirty="0"/>
-            </a:br>
+              <a:t>// </a:t>
+            </a:r>
+            <a:r>
+              <a:rPr lang="en-DK" dirty="0">
+                <a:solidFill>
+                  <a:srgbClr val="00B050"/>
+                </a:solidFill>
+              </a:rPr>
+              <a:t>DB.cs</a:t>
+            </a:r>
+          </a:p>
+          <a:p>
+            <a:endParaRPr lang="en-DK" dirty="0"/>
+          </a:p>
+          <a:p>
+            <a:r>
+              <a:rPr lang="en-GB" dirty="0">
+                <a:solidFill>
+                  <a:schemeClr val="bg2">
+                    <a:lumMod val="75000"/>
+                    <a:lumOff val="25000"/>
+                  </a:schemeClr>
+                </a:solidFill>
+              </a:rPr>
+              <a:t>using</a:t>
+            </a:r>
+            <a:r>
+              <a:rPr lang="en-GB" dirty="0"/>
+              <a:t> </a:t>
+            </a:r>
             <a:r>
               <a:rPr lang="en-GB" dirty="0" err="1"/>
-              <a:t>app.MapGet</a:t>
+              <a:t>Microsoft.EntityFrameworkCore</a:t>
             </a:r>
             <a:r>
               <a:rPr lang="en-GB" dirty="0"/>
-              <a:t>(…)</a:t>
-            </a:r>
-            <a:endParaRPr lang="en-DK" dirty="0"/>
-          </a:p>
-          <a:p>
-            <a:pPr marL="342900" indent="-342900">
-              <a:buFont typeface="Arial" panose="020B0604020202020204" pitchFamily="34" charset="0"/>
-              <a:buChar char="•"/>
-            </a:pPr>
-            <a:endParaRPr lang="en-DK" dirty="0"/>
-          </a:p>
-          <a:p>
-            <a:pPr marL="342900" indent="-342900">
-              <a:buFont typeface="Arial" panose="020B0604020202020204" pitchFamily="34" charset="0"/>
-              <a:buChar char="•"/>
-            </a:pPr>
-            <a:r>
-              <a:rPr lang="en-DK" dirty="0"/>
-              <a:t>POST</a:t>
-            </a:r>
-            <a:br>
-              <a:rPr lang="en-DK" dirty="0"/>
-            </a:br>
+              <a:t>;</a:t>
+            </a:r>
+          </a:p>
+          <a:p>
+            <a:endParaRPr lang="en-GB" dirty="0"/>
+          </a:p>
+          <a:p>
+            <a:r>
+              <a:rPr lang="en-GB" dirty="0">
+                <a:solidFill>
+                  <a:schemeClr val="bg2">
+                    <a:lumMod val="75000"/>
+                    <a:lumOff val="25000"/>
+                  </a:schemeClr>
+                </a:solidFill>
+              </a:rPr>
+              <a:t>class</a:t>
+            </a:r>
+            <a:r>
+              <a:rPr lang="en-GB" dirty="0"/>
+              <a:t> Db : </a:t>
+            </a:r>
             <a:r>
               <a:rPr lang="en-GB" dirty="0" err="1"/>
-              <a:t>app.MapPost</a:t>
-            </a:r>
+              <a:t>DbContext</a:t>
+            </a:r>
+            <a:endParaRPr lang="en-GB" dirty="0"/>
+          </a:p>
+          <a:p>
             <a:r>
               <a:rPr lang="en-GB" dirty="0"/>
-              <a:t>(…)</a:t>
-            </a:r>
-          </a:p>
-          <a:p>
-            <a:pPr marL="342900" indent="-342900">
-              <a:buFont typeface="Arial" panose="020B0604020202020204" pitchFamily="34" charset="0"/>
-              <a:buChar char="•"/>
-            </a:pPr>
+              <a:t>{</a:t>
+            </a:r>
+          </a:p>
+          <a:p>
+            <a:r>
+              <a:rPr lang="en-GB" dirty="0"/>
+              <a:t>    </a:t>
+            </a:r>
+            <a:r>
+              <a:rPr lang="en-GB" dirty="0">
+                <a:solidFill>
+                  <a:schemeClr val="bg2">
+                    <a:lumMod val="75000"/>
+                    <a:lumOff val="25000"/>
+                  </a:schemeClr>
+                </a:solidFill>
+              </a:rPr>
+              <a:t>public</a:t>
+            </a:r>
+            <a:r>
+              <a:rPr lang="en-GB" dirty="0"/>
+              <a:t> </a:t>
+            </a:r>
+            <a:r>
+              <a:rPr lang="en-GB" dirty="0" err="1"/>
+              <a:t>TodoDb</a:t>
+            </a:r>
+            <a:r>
+              <a:rPr lang="en-GB" dirty="0"/>
+              <a:t>(</a:t>
+            </a:r>
+            <a:r>
+              <a:rPr lang="en-GB" dirty="0" err="1"/>
+              <a:t>DbContextOptions</a:t>
+            </a:r>
+            <a:r>
+              <a:rPr lang="en-GB" dirty="0"/>
+              <a:t>&lt;Db&gt; options)</a:t>
+            </a:r>
+          </a:p>
+          <a:p>
+            <a:r>
+              <a:rPr lang="en-GB" dirty="0"/>
+              <a:t>        : </a:t>
+            </a:r>
+            <a:r>
+              <a:rPr lang="en-GB" dirty="0">
+                <a:solidFill>
+                  <a:schemeClr val="bg2">
+                    <a:lumMod val="75000"/>
+                    <a:lumOff val="25000"/>
+                  </a:schemeClr>
+                </a:solidFill>
+              </a:rPr>
+              <a:t>base</a:t>
+            </a:r>
+            <a:r>
+              <a:rPr lang="en-GB" dirty="0"/>
+              <a:t>(options) { }</a:t>
+            </a:r>
+          </a:p>
+          <a:p>
             <a:endParaRPr lang="en-GB" dirty="0"/>
           </a:p>
           <a:p>
-            <a:pPr marL="342900" indent="-342900">
-              <a:buFont typeface="Arial" panose="020B0604020202020204" pitchFamily="34" charset="0"/>
-              <a:buChar char="•"/>
-            </a:pPr>
             <a:r>
               <a:rPr lang="en-GB" dirty="0"/>
-              <a:t>PUT</a:t>
-            </a:r>
-            <a:br>
+              <a:t>    </a:t>
+            </a:r>
+            <a:r>
+              <a:rPr lang="en-GB" dirty="0">
+                <a:solidFill>
+                  <a:schemeClr val="bg2">
+                    <a:lumMod val="75000"/>
+                    <a:lumOff val="25000"/>
+                  </a:schemeClr>
+                </a:solidFill>
+              </a:rPr>
+              <a:t>public</a:t>
+            </a:r>
+            <a:r>
               <a:rPr lang="en-GB" dirty="0"/>
-            </a:br>
+              <a:t> </a:t>
+            </a:r>
             <a:r>
               <a:rPr lang="en-GB" dirty="0" err="1"/>
-              <a:t>app.MapPut</a:t>
+              <a:t>DbSet</a:t>
             </a:r>
             <a:r>
               <a:rPr lang="en-GB" dirty="0"/>
-              <a:t>(…)</a:t>
-            </a:r>
-          </a:p>
-          <a:p>
-            <a:pPr marL="342900" indent="-342900">
-              <a:buFont typeface="Arial" panose="020B0604020202020204" pitchFamily="34" charset="0"/>
-              <a:buChar char="•"/>
-            </a:pPr>
-            <a:endParaRPr lang="en-GB" dirty="0"/>
-          </a:p>
-          <a:p>
-            <a:pPr marL="342900" indent="-342900">
-              <a:buFont typeface="Arial" panose="020B0604020202020204" pitchFamily="34" charset="0"/>
-              <a:buChar char="•"/>
-            </a:pPr>
+              <a:t>&lt;Data&gt; Data =&gt; Set&lt;Data&gt;();</a:t>
+            </a:r>
+          </a:p>
+          <a:p>
             <a:r>
               <a:rPr lang="en-GB" dirty="0"/>
-              <a:t>DELETE</a:t>
-            </a:r>
-            <a:br>
-              <a:rPr lang="en-GB" dirty="0"/>
-            </a:br>
-            <a:r>
-              <a:rPr lang="en-GB" dirty="0" err="1"/>
-              <a:t>app.MapDelete</a:t>
-            </a:r>
-            <a:r>
-              <a:rPr lang="en-GB" dirty="0"/>
-              <a:t>(…)</a:t>
-            </a:r>
-          </a:p>
-          <a:p>
-            <a:pPr marL="342900" indent="-342900">
-              <a:buFont typeface="Arial" panose="020B0604020202020204" pitchFamily="34" charset="0"/>
-              <a:buChar char="•"/>
-            </a:pPr>
-            <a:endParaRPr lang="en-GB" dirty="0"/>
-          </a:p>
-          <a:p>
-            <a:pPr marL="342900" indent="-342900">
-              <a:buFont typeface="Arial" panose="020B0604020202020204" pitchFamily="34" charset="0"/>
-              <a:buChar char="•"/>
-            </a:pPr>
-            <a:r>
-              <a:rPr lang="en-GB" dirty="0"/>
-              <a:t>Note routes needs to be unique</a:t>
+              <a:t>}</a:t>
             </a:r>
             <a:endParaRPr lang="en-DK" dirty="0"/>
           </a:p>
@@ -10996,7 +10879,7 @@
           <p:cNvPr id="4" name="Date Placeholder 3">
             <a:extLst>
               <a:ext uri="{FF2B5EF4-FFF2-40B4-BE49-F238E27FC236}">
-                <a16:creationId xmlns:a16="http://schemas.microsoft.com/office/drawing/2014/main" id="{BDBBD9AF-59E6-F719-0CED-E871CE8648B2}"/>
+                <a16:creationId xmlns:a16="http://schemas.microsoft.com/office/drawing/2014/main" id="{9A37575C-4F05-624C-466D-50C9DF2E0B14}"/>
               </a:ext>
             </a:extLst>
           </p:cNvPr>
@@ -11012,7 +10895,7 @@
           <a:bodyPr/>
           <a:lstStyle/>
           <a:p>
-            <a:fld id="{AAE8DC6A-6AE1-8845-A6AD-3286BF6EE7BF}" type="datetime1">
+            <a:fld id="{70D2C60E-3033-E548-A4C0-6A89BC3245FC}" type="datetime1">
               <a:rPr lang="en-GB" smtClean="0"/>
               <a:t>08/11/2023</a:t>
             </a:fld>
@@ -11027,7 +10910,7 @@
     </p:spTree>
     <p:extLst>
       <p:ext uri="{BB962C8B-B14F-4D97-AF65-F5344CB8AC3E}">
-        <p14:creationId xmlns:p14="http://schemas.microsoft.com/office/powerpoint/2010/main" val="3475620466"/>
+        <p14:creationId xmlns:p14="http://schemas.microsoft.com/office/powerpoint/2010/main" val="4042737015"/>
       </p:ext>
     </p:extLst>
   </p:cSld>
@@ -11059,6 +10942,243 @@
           <p:cNvPr id="2" name="Title 1">
             <a:extLst>
               <a:ext uri="{FF2B5EF4-FFF2-40B4-BE49-F238E27FC236}">
+                <a16:creationId xmlns:a16="http://schemas.microsoft.com/office/drawing/2014/main" id="{A552E23F-F33F-8273-A192-9552AB46C950}"/>
+              </a:ext>
+            </a:extLst>
+          </p:cNvPr>
+          <p:cNvSpPr>
+            <a:spLocks noGrp="1"/>
+          </p:cNvSpPr>
+          <p:nvPr>
+            <p:ph type="title"/>
+          </p:nvPr>
+        </p:nvSpPr>
+        <p:spPr/>
+        <p:txBody>
+          <a:bodyPr/>
+          <a:lstStyle/>
+          <a:p>
+            <a:r>
+              <a:rPr lang="en-DK" dirty="0"/>
+              <a:t>HTTP Verbs in minimal</a:t>
+            </a:r>
+          </a:p>
+        </p:txBody>
+      </p:sp>
+      <p:sp>
+        <p:nvSpPr>
+          <p:cNvPr id="3" name="Content Placeholder 2">
+            <a:extLst>
+              <a:ext uri="{FF2B5EF4-FFF2-40B4-BE49-F238E27FC236}">
+                <a16:creationId xmlns:a16="http://schemas.microsoft.com/office/drawing/2014/main" id="{1CADCEC8-FDB0-5266-29FF-DB92336ACAA6}"/>
+              </a:ext>
+            </a:extLst>
+          </p:cNvPr>
+          <p:cNvSpPr>
+            <a:spLocks noGrp="1"/>
+          </p:cNvSpPr>
+          <p:nvPr>
+            <p:ph idx="1"/>
+          </p:nvPr>
+        </p:nvSpPr>
+        <p:spPr/>
+        <p:txBody>
+          <a:bodyPr/>
+          <a:lstStyle/>
+          <a:p>
+            <a:pPr marL="342900" indent="-342900">
+              <a:buFont typeface="Arial" panose="020B0604020202020204" pitchFamily="34" charset="0"/>
+              <a:buChar char="•"/>
+            </a:pPr>
+            <a:r>
+              <a:rPr lang="en-DK" dirty="0"/>
+              <a:t>GET</a:t>
+            </a:r>
+            <a:br>
+              <a:rPr lang="en-DK" dirty="0"/>
+            </a:br>
+            <a:r>
+              <a:rPr lang="en-GB" dirty="0" err="1"/>
+              <a:t>app.MapGet</a:t>
+            </a:r>
+            <a:r>
+              <a:rPr lang="en-GB" dirty="0"/>
+              <a:t>(…)</a:t>
+            </a:r>
+            <a:endParaRPr lang="en-DK" dirty="0"/>
+          </a:p>
+          <a:p>
+            <a:pPr marL="342900" indent="-342900">
+              <a:buFont typeface="Arial" panose="020B0604020202020204" pitchFamily="34" charset="0"/>
+              <a:buChar char="•"/>
+            </a:pPr>
+            <a:endParaRPr lang="en-DK" dirty="0"/>
+          </a:p>
+          <a:p>
+            <a:pPr marL="342900" indent="-342900">
+              <a:buFont typeface="Arial" panose="020B0604020202020204" pitchFamily="34" charset="0"/>
+              <a:buChar char="•"/>
+            </a:pPr>
+            <a:r>
+              <a:rPr lang="en-DK" dirty="0"/>
+              <a:t>POST</a:t>
+            </a:r>
+            <a:br>
+              <a:rPr lang="en-DK" dirty="0"/>
+            </a:br>
+            <a:r>
+              <a:rPr lang="en-GB" dirty="0" err="1"/>
+              <a:t>app.MapPost</a:t>
+            </a:r>
+            <a:r>
+              <a:rPr lang="en-GB" dirty="0"/>
+              <a:t>(…)</a:t>
+            </a:r>
+          </a:p>
+          <a:p>
+            <a:pPr marL="342900" indent="-342900">
+              <a:buFont typeface="Arial" panose="020B0604020202020204" pitchFamily="34" charset="0"/>
+              <a:buChar char="•"/>
+            </a:pPr>
+            <a:endParaRPr lang="en-GB" dirty="0"/>
+          </a:p>
+          <a:p>
+            <a:pPr marL="342900" indent="-342900">
+              <a:buFont typeface="Arial" panose="020B0604020202020204" pitchFamily="34" charset="0"/>
+              <a:buChar char="•"/>
+            </a:pPr>
+            <a:r>
+              <a:rPr lang="en-GB" dirty="0"/>
+              <a:t>PUT</a:t>
+            </a:r>
+            <a:br>
+              <a:rPr lang="en-GB" dirty="0"/>
+            </a:br>
+            <a:r>
+              <a:rPr lang="en-GB" dirty="0" err="1"/>
+              <a:t>app.MapPut</a:t>
+            </a:r>
+            <a:r>
+              <a:rPr lang="en-GB" dirty="0"/>
+              <a:t>(…)</a:t>
+            </a:r>
+          </a:p>
+          <a:p>
+            <a:pPr marL="342900" indent="-342900">
+              <a:buFont typeface="Arial" panose="020B0604020202020204" pitchFamily="34" charset="0"/>
+              <a:buChar char="•"/>
+            </a:pPr>
+            <a:endParaRPr lang="en-GB" dirty="0"/>
+          </a:p>
+          <a:p>
+            <a:pPr marL="342900" indent="-342900">
+              <a:buFont typeface="Arial" panose="020B0604020202020204" pitchFamily="34" charset="0"/>
+              <a:buChar char="•"/>
+            </a:pPr>
+            <a:r>
+              <a:rPr lang="en-GB" dirty="0"/>
+              <a:t>DELETE</a:t>
+            </a:r>
+            <a:br>
+              <a:rPr lang="en-GB" dirty="0"/>
+            </a:br>
+            <a:r>
+              <a:rPr lang="en-GB" dirty="0" err="1"/>
+              <a:t>app.MapDelete</a:t>
+            </a:r>
+            <a:r>
+              <a:rPr lang="en-GB" dirty="0"/>
+              <a:t>(…)</a:t>
+            </a:r>
+          </a:p>
+          <a:p>
+            <a:pPr marL="342900" indent="-342900">
+              <a:buFont typeface="Arial" panose="020B0604020202020204" pitchFamily="34" charset="0"/>
+              <a:buChar char="•"/>
+            </a:pPr>
+            <a:endParaRPr lang="en-GB" dirty="0"/>
+          </a:p>
+          <a:p>
+            <a:pPr marL="342900" indent="-342900">
+              <a:buFont typeface="Arial" panose="020B0604020202020204" pitchFamily="34" charset="0"/>
+              <a:buChar char="•"/>
+            </a:pPr>
+            <a:r>
+              <a:rPr lang="en-GB" dirty="0"/>
+              <a:t>Note routes needs to be unique</a:t>
+            </a:r>
+            <a:endParaRPr lang="en-DK" dirty="0"/>
+          </a:p>
+        </p:txBody>
+      </p:sp>
+      <p:sp>
+        <p:nvSpPr>
+          <p:cNvPr id="4" name="Date Placeholder 3">
+            <a:extLst>
+              <a:ext uri="{FF2B5EF4-FFF2-40B4-BE49-F238E27FC236}">
+                <a16:creationId xmlns:a16="http://schemas.microsoft.com/office/drawing/2014/main" id="{BDBBD9AF-59E6-F719-0CED-E871CE8648B2}"/>
+              </a:ext>
+            </a:extLst>
+          </p:cNvPr>
+          <p:cNvSpPr>
+            <a:spLocks noGrp="1"/>
+          </p:cNvSpPr>
+          <p:nvPr>
+            <p:ph type="dt" sz="half" idx="10"/>
+          </p:nvPr>
+        </p:nvSpPr>
+        <p:spPr/>
+        <p:txBody>
+          <a:bodyPr/>
+          <a:lstStyle/>
+          <a:p>
+            <a:fld id="{AAE8DC6A-6AE1-8845-A6AD-3286BF6EE7BF}" type="datetime1">
+              <a:rPr lang="en-GB" smtClean="0"/>
+              <a:t>08/11/2023</a:t>
+            </a:fld>
+            <a:r>
+              <a:rPr lang="en-GB"/>
+              <a:t>26/10/2023</a:t>
+            </a:r>
+            <a:endParaRPr lang="en-GB" dirty="0"/>
+          </a:p>
+        </p:txBody>
+      </p:sp>
+    </p:spTree>
+    <p:extLst>
+      <p:ext uri="{BB962C8B-B14F-4D97-AF65-F5344CB8AC3E}">
+        <p14:creationId xmlns:p14="http://schemas.microsoft.com/office/powerpoint/2010/main" val="3475620466"/>
+      </p:ext>
+    </p:extLst>
+  </p:cSld>
+  <p:clrMapOvr>
+    <a:masterClrMapping/>
+  </p:clrMapOvr>
+</p:sld>
+</file>
+
+<file path=ppt/slides/slide18.xml><?xml version="1.0" encoding="utf-8"?>
+<p:sld xmlns:a="http://schemas.openxmlformats.org/drawingml/2006/main" xmlns:r="http://schemas.openxmlformats.org/officeDocument/2006/relationships" xmlns:p="http://schemas.openxmlformats.org/presentationml/2006/main">
+  <p:cSld>
+    <p:spTree>
+      <p:nvGrpSpPr>
+        <p:cNvPr id="1" name=""/>
+        <p:cNvGrpSpPr/>
+        <p:nvPr/>
+      </p:nvGrpSpPr>
+      <p:grpSpPr>
+        <a:xfrm>
+          <a:off x="0" y="0"/>
+          <a:ext cx="0" cy="0"/>
+          <a:chOff x="0" y="0"/>
+          <a:chExt cx="0" cy="0"/>
+        </a:xfrm>
+      </p:grpSpPr>
+      <p:sp>
+        <p:nvSpPr>
+          <p:cNvPr id="2" name="Title 1">
+            <a:extLst>
+              <a:ext uri="{FF2B5EF4-FFF2-40B4-BE49-F238E27FC236}">
                 <a16:creationId xmlns:a16="http://schemas.microsoft.com/office/drawing/2014/main" id="{F060E620-4C8E-0AEE-5C1D-9AA123A4574E}"/>
               </a:ext>
             </a:extLst>
@@ -11408,7 +11528,7 @@
 </p:sld>
 </file>
 
-<file path=ppt/slides/slide18.xml><?xml version="1.0" encoding="utf-8"?>
+<file path=ppt/slides/slide19.xml><?xml version="1.0" encoding="utf-8"?>
 <p:sld xmlns:a="http://schemas.openxmlformats.org/drawingml/2006/main" xmlns:r="http://schemas.openxmlformats.org/officeDocument/2006/relationships" xmlns:p="http://schemas.openxmlformats.org/presentationml/2006/main">
   <p:cSld>
     <p:spTree>
@@ -11628,7 +11748,119 @@
 </p:sld>
 </file>
 
-<file path=ppt/slides/slide19.xml><?xml version="1.0" encoding="utf-8"?>
+<file path=ppt/slides/slide2.xml><?xml version="1.0" encoding="utf-8"?>
+<p:sld xmlns:a="http://schemas.openxmlformats.org/drawingml/2006/main" xmlns:r="http://schemas.openxmlformats.org/officeDocument/2006/relationships" xmlns:p="http://schemas.openxmlformats.org/presentationml/2006/main">
+  <p:cSld>
+    <p:spTree>
+      <p:nvGrpSpPr>
+        <p:cNvPr id="1" name=""/>
+        <p:cNvGrpSpPr/>
+        <p:nvPr/>
+      </p:nvGrpSpPr>
+      <p:grpSpPr>
+        <a:xfrm>
+          <a:off x="0" y="0"/>
+          <a:ext cx="0" cy="0"/>
+          <a:chOff x="0" y="0"/>
+          <a:chExt cx="0" cy="0"/>
+        </a:xfrm>
+      </p:grpSpPr>
+      <p:sp>
+        <p:nvSpPr>
+          <p:cNvPr id="3" name="Title 2"/>
+          <p:cNvSpPr>
+            <a:spLocks noGrp="1"/>
+          </p:cNvSpPr>
+          <p:nvPr>
+            <p:ph type="title"/>
+          </p:nvPr>
+        </p:nvSpPr>
+        <p:spPr/>
+        <p:txBody>
+          <a:bodyPr/>
+          <a:lstStyle/>
+          <a:p>
+            <a:r>
+              <a:rPr lang="en-GB" dirty="0"/>
+              <a:t>Agenda</a:t>
+            </a:r>
+          </a:p>
+        </p:txBody>
+      </p:sp>
+      <p:sp>
+        <p:nvSpPr>
+          <p:cNvPr id="5" name="Content Placeholder 4"/>
+          <p:cNvSpPr>
+            <a:spLocks noGrp="1"/>
+          </p:cNvSpPr>
+          <p:nvPr>
+            <p:ph idx="1"/>
+          </p:nvPr>
+        </p:nvSpPr>
+        <p:spPr/>
+        <p:txBody>
+          <a:bodyPr/>
+          <a:lstStyle/>
+          <a:p>
+            <a:pPr marL="342900" indent="-342900">
+              <a:buFont typeface="Arial" panose="020B0604020202020204" pitchFamily="34" charset="0"/>
+              <a:buChar char="•"/>
+            </a:pPr>
+            <a:r>
+              <a:rPr lang="en-GB" dirty="0"/>
+              <a:t>Routing</a:t>
+            </a:r>
+          </a:p>
+          <a:p>
+            <a:pPr marL="342900" indent="-342900">
+              <a:buFont typeface="Arial" panose="020B0604020202020204" pitchFamily="34" charset="0"/>
+              <a:buChar char="•"/>
+            </a:pPr>
+            <a:r>
+              <a:rPr lang="en-GB" dirty="0" err="1"/>
+              <a:t>HTTPClient</a:t>
+            </a:r>
+            <a:endParaRPr lang="en-GB" dirty="0"/>
+          </a:p>
+          <a:p>
+            <a:pPr marL="342900" indent="-342900">
+              <a:buFont typeface="Arial" panose="020B0604020202020204" pitchFamily="34" charset="0"/>
+              <a:buChar char="•"/>
+            </a:pPr>
+            <a:r>
+              <a:rPr lang="en-GB" dirty="0"/>
+              <a:t>Minimal API</a:t>
+            </a:r>
+          </a:p>
+          <a:p>
+            <a:pPr marL="342900" indent="-342900">
+              <a:buFont typeface="Arial" panose="020B0604020202020204" pitchFamily="34" charset="0"/>
+              <a:buChar char="•"/>
+            </a:pPr>
+            <a:r>
+              <a:rPr lang="en-GB" dirty="0"/>
+              <a:t>Swagger / Open API</a:t>
+            </a:r>
+          </a:p>
+        </p:txBody>
+      </p:sp>
+    </p:spTree>
+    <p:custDataLst>
+      <p:tags r:id="rId1"/>
+    </p:custDataLst>
+    <p:extLst>
+      <p:ext uri="{BB962C8B-B14F-4D97-AF65-F5344CB8AC3E}">
+        <p14:creationId xmlns:p14="http://schemas.microsoft.com/office/powerpoint/2010/main" val="2813365767"/>
+      </p:ext>
+    </p:extLst>
+  </p:cSld>
+  <p:clrMapOvr>
+    <a:masterClrMapping/>
+  </p:clrMapOvr>
+</p:sld>
+</file>
+
+<file path=ppt/slides/slide20.xml><?xml version="1.0" encoding="utf-8"?>
 <p:sld xmlns:a="http://schemas.openxmlformats.org/drawingml/2006/main" xmlns:r="http://schemas.openxmlformats.org/officeDocument/2006/relationships" xmlns:p="http://schemas.openxmlformats.org/presentationml/2006/main">
   <p:cSld>
     <p:spTree>
@@ -11828,119 +12060,7 @@
 </p:sld>
 </file>
 
-<file path=ppt/slides/slide2.xml><?xml version="1.0" encoding="utf-8"?>
-<p:sld xmlns:a="http://schemas.openxmlformats.org/drawingml/2006/main" xmlns:r="http://schemas.openxmlformats.org/officeDocument/2006/relationships" xmlns:p="http://schemas.openxmlformats.org/presentationml/2006/main">
-  <p:cSld>
-    <p:spTree>
-      <p:nvGrpSpPr>
-        <p:cNvPr id="1" name=""/>
-        <p:cNvGrpSpPr/>
-        <p:nvPr/>
-      </p:nvGrpSpPr>
-      <p:grpSpPr>
-        <a:xfrm>
-          <a:off x="0" y="0"/>
-          <a:ext cx="0" cy="0"/>
-          <a:chOff x="0" y="0"/>
-          <a:chExt cx="0" cy="0"/>
-        </a:xfrm>
-      </p:grpSpPr>
-      <p:sp>
-        <p:nvSpPr>
-          <p:cNvPr id="3" name="Title 2"/>
-          <p:cNvSpPr>
-            <a:spLocks noGrp="1"/>
-          </p:cNvSpPr>
-          <p:nvPr>
-            <p:ph type="title"/>
-          </p:nvPr>
-        </p:nvSpPr>
-        <p:spPr/>
-        <p:txBody>
-          <a:bodyPr/>
-          <a:lstStyle/>
-          <a:p>
-            <a:r>
-              <a:rPr lang="en-GB" dirty="0"/>
-              <a:t>Agenda</a:t>
-            </a:r>
-          </a:p>
-        </p:txBody>
-      </p:sp>
-      <p:sp>
-        <p:nvSpPr>
-          <p:cNvPr id="5" name="Content Placeholder 4"/>
-          <p:cNvSpPr>
-            <a:spLocks noGrp="1"/>
-          </p:cNvSpPr>
-          <p:nvPr>
-            <p:ph idx="1"/>
-          </p:nvPr>
-        </p:nvSpPr>
-        <p:spPr/>
-        <p:txBody>
-          <a:bodyPr/>
-          <a:lstStyle/>
-          <a:p>
-            <a:pPr marL="342900" indent="-342900">
-              <a:buFont typeface="Arial" panose="020B0604020202020204" pitchFamily="34" charset="0"/>
-              <a:buChar char="•"/>
-            </a:pPr>
-            <a:r>
-              <a:rPr lang="en-GB" dirty="0"/>
-              <a:t>Routing</a:t>
-            </a:r>
-          </a:p>
-          <a:p>
-            <a:pPr marL="342900" indent="-342900">
-              <a:buFont typeface="Arial" panose="020B0604020202020204" pitchFamily="34" charset="0"/>
-              <a:buChar char="•"/>
-            </a:pPr>
-            <a:r>
-              <a:rPr lang="en-GB" dirty="0" err="1"/>
-              <a:t>HTTPClient</a:t>
-            </a:r>
-            <a:endParaRPr lang="en-GB" dirty="0"/>
-          </a:p>
-          <a:p>
-            <a:pPr marL="342900" indent="-342900">
-              <a:buFont typeface="Arial" panose="020B0604020202020204" pitchFamily="34" charset="0"/>
-              <a:buChar char="•"/>
-            </a:pPr>
-            <a:r>
-              <a:rPr lang="en-GB" dirty="0"/>
-              <a:t>Minimal API</a:t>
-            </a:r>
-          </a:p>
-          <a:p>
-            <a:pPr marL="342900" indent="-342900">
-              <a:buFont typeface="Arial" panose="020B0604020202020204" pitchFamily="34" charset="0"/>
-              <a:buChar char="•"/>
-            </a:pPr>
-            <a:r>
-              <a:rPr lang="en-GB" dirty="0"/>
-              <a:t>Swagger / Open API</a:t>
-            </a:r>
-          </a:p>
-        </p:txBody>
-      </p:sp>
-    </p:spTree>
-    <p:custDataLst>
-      <p:tags r:id="rId1"/>
-    </p:custDataLst>
-    <p:extLst>
-      <p:ext uri="{BB962C8B-B14F-4D97-AF65-F5344CB8AC3E}">
-        <p14:creationId xmlns:p14="http://schemas.microsoft.com/office/powerpoint/2010/main" val="2813365767"/>
-      </p:ext>
-    </p:extLst>
-  </p:cSld>
-  <p:clrMapOvr>
-    <a:masterClrMapping/>
-  </p:clrMapOvr>
-</p:sld>
-</file>
-
-<file path=ppt/slides/slide20.xml><?xml version="1.0" encoding="utf-8"?>
+<file path=ppt/slides/slide21.xml><?xml version="1.0" encoding="utf-8"?>
 <p:sld xmlns:a="http://schemas.openxmlformats.org/drawingml/2006/main" xmlns:r="http://schemas.openxmlformats.org/officeDocument/2006/relationships" xmlns:p="http://schemas.openxmlformats.org/presentationml/2006/main">
   <p:cSld>
     <p:spTree>
